--- a/TeamGo_Programming_OEC2021.pptx
+++ b/TeamGo_Programming_OEC2021.pptx
@@ -16863,7 +16863,7 @@
                 <a:latin typeface="Rajdhani" panose="020B0604020202020204" charset="0"/>
                 <a:cs typeface="Rajdhani" panose="020B0604020202020204" charset="0"/>
               </a:rPr>
-              <a:t>IMPLEMENTING TA LOGIC</a:t>
+              <a:t>INCOMPLETE DEBUGGING</a:t>
             </a:r>
           </a:p>
         </p:txBody>
@@ -16884,8 +16884,8 @@
         </p:nvSpPr>
         <p:spPr>
           <a:xfrm>
-            <a:off x="6176601" y="3325871"/>
-            <a:ext cx="2342100" cy="670980"/>
+            <a:off x="6176601" y="3252449"/>
+            <a:ext cx="2342100" cy="1007485"/>
           </a:xfrm>
           <a:prstGeom prst="rect">
             <a:avLst/>
@@ -17154,8 +17154,13 @@
             </a:pPr>
             <a:r>
               <a:rPr lang="en-US" dirty="0"/>
-              <a:t>Time constraint prevented us from debugging all implementations</a:t>
+              <a:t>TA exposure values are updating, but time constraint prevented us from tracking </a:t>
             </a:r>
+            <a:r>
+              <a:rPr lang="en-US"/>
+              <a:t>TA-class relationships</a:t>
+            </a:r>
+            <a:endParaRPr lang="en-US" dirty="0"/>
           </a:p>
         </p:txBody>
       </p:sp>

--- a/TeamGo_Programming_OEC2021.pptx
+++ b/TeamGo_Programming_OEC2021.pptx
@@ -12158,10 +12158,10 @@
       </p:sp>
       <p:pic>
         <p:nvPicPr>
-          <p:cNvPr id="4100" name="Picture 4" descr="No description available.">
+          <p:cNvPr id="1028" name="Picture 4" descr="No description available.">
             <a:extLst>
               <a:ext uri="{FF2B5EF4-FFF2-40B4-BE49-F238E27FC236}">
-                <a16:creationId xmlns:a16="http://schemas.microsoft.com/office/drawing/2014/main" id="{7F1E262D-7ED8-4DAB-A193-488ABA92F919}"/>
+                <a16:creationId xmlns:a16="http://schemas.microsoft.com/office/drawing/2014/main" id="{4752AE92-FDA4-42AC-8CE9-DB5C01014047}"/>
               </a:ext>
             </a:extLst>
           </p:cNvPr>
@@ -12178,13 +12178,13 @@
               </a:ext>
             </a:extLst>
           </a:blip>
-          <a:srcRect t="3586" b="35910"/>
+          <a:srcRect t="2716" b="35662"/>
           <a:stretch/>
         </p:blipFill>
         <p:spPr bwMode="auto">
           <a:xfrm>
-            <a:off x="1723746" y="1205331"/>
-            <a:ext cx="2712243" cy="3373672"/>
+            <a:off x="1618154" y="1116694"/>
+            <a:ext cx="2809198" cy="3550947"/>
           </a:xfrm>
           <a:prstGeom prst="rect">
             <a:avLst/>
@@ -17154,13 +17154,8 @@
             </a:pPr>
             <a:r>
               <a:rPr lang="en-US" dirty="0"/>
-              <a:t>TA exposure values are updating, but time constraint prevented us from tracking </a:t>
+              <a:t>TA exposure values are updating, but time constraint prevented us from tracking TA-class relationships</a:t>
             </a:r>
-            <a:r>
-              <a:rPr lang="en-US"/>
-              <a:t>TA-class relationships</a:t>
-            </a:r>
-            <a:endParaRPr lang="en-US" dirty="0"/>
           </a:p>
         </p:txBody>
       </p:sp>

--- a/TeamGo_Programming_OEC2021.pptx
+++ b/TeamGo_Programming_OEC2021.pptx
@@ -11981,47 +11981,32 @@
       </p:sp>
       <p:pic>
         <p:nvPicPr>
-          <p:cNvPr id="3076" name="Picture 4">
+          <p:cNvPr id="4" name="Picture 3">
             <a:extLst>
               <a:ext uri="{FF2B5EF4-FFF2-40B4-BE49-F238E27FC236}">
-                <a16:creationId xmlns:a16="http://schemas.microsoft.com/office/drawing/2014/main" id="{A15D0F40-FC80-426B-B768-8A717C88B587}"/>
+                <a16:creationId xmlns:a16="http://schemas.microsoft.com/office/drawing/2014/main" id="{2403A4A4-2E9E-41B1-AEAA-4C20EA4DFF29}"/>
               </a:ext>
             </a:extLst>
           </p:cNvPr>
           <p:cNvPicPr>
-            <a:picLocks noChangeAspect="1" noChangeArrowheads="1"/>
+            <a:picLocks noChangeAspect="1"/>
           </p:cNvPicPr>
           <p:nvPr/>
         </p:nvPicPr>
-        <p:blipFill rotWithShape="1">
-          <a:blip r:embed="rId2">
-            <a:extLst>
-              <a:ext uri="{28A0092B-C50C-407E-A947-70E740481C1C}">
-                <a14:useLocalDpi xmlns:a14="http://schemas.microsoft.com/office/drawing/2010/main" val="0"/>
-              </a:ext>
-            </a:extLst>
-          </a:blip>
-          <a:srcRect t="4506"/>
-          <a:stretch/>
+        <p:blipFill>
+          <a:blip r:embed="rId2"/>
+          <a:stretch>
+            <a:fillRect/>
+          </a:stretch>
         </p:blipFill>
-        <p:spPr bwMode="auto">
+        <p:spPr>
           <a:xfrm>
-            <a:off x="1845448" y="982633"/>
-            <a:ext cx="5453103" cy="3905527"/>
+            <a:off x="2029839" y="971724"/>
+            <a:ext cx="5084322" cy="3761843"/>
           </a:xfrm>
           <a:prstGeom prst="rect">
             <a:avLst/>
           </a:prstGeom>
-          <a:noFill/>
-          <a:extLst>
-            <a:ext uri="{909E8E84-426E-40DD-AFC4-6F175D3DCCD1}">
-              <a14:hiddenFill xmlns:a14="http://schemas.microsoft.com/office/drawing/2010/main">
-                <a:solidFill>
-                  <a:srgbClr val="FFFFFF"/>
-                </a:solidFill>
-              </a14:hiddenFill>
-            </a:ext>
-          </a:extLst>
         </p:spPr>
       </p:pic>
     </p:spTree>
